--- a/Procesos de desarrollo para hci.pptx
+++ b/Procesos de desarrollo para hci.pptx
@@ -1,23 +1,21 @@
 
 <file path=ppt/presentation.xml><?xml version="1.0" encoding="utf-8"?>
-<p:presentation xmlns:a="http://schemas.openxmlformats.org/drawingml/2006/main" xmlns:r="http://schemas.openxmlformats.org/officeDocument/2006/relationships" xmlns:p="http://schemas.openxmlformats.org/presentationml/2006/main" autoCompressPictures="0">
+<p:presentation xmlns:a="http://schemas.openxmlformats.org/drawingml/2006/main" xmlns:r="http://schemas.openxmlformats.org/officeDocument/2006/relationships" xmlns:mc="http://schemas.openxmlformats.org/markup-compatibility/2006" xmlns:mv="urn:schemas-microsoft-com:mac:vml" xmlns:p="http://schemas.openxmlformats.org/presentationml/2006/main" xmlns:c="http://schemas.openxmlformats.org/drawingml/2006/chart" xmlns:dgm="http://schemas.openxmlformats.org/drawingml/2006/diagram" xmlns:o="urn:schemas-microsoft-com:office:office" xmlns:v="urn:schemas-microsoft-com:vml" xmlns:pvml="urn:schemas-microsoft-com:office:powerpoint" xmlns:com="http://schemas.openxmlformats.org/drawingml/2006/compatibility" xmlns:p14="http://schemas.microsoft.com/office/powerpoint/2010/main" xmlns:p15="http://schemas.microsoft.com/office/powerpoint/2012/main" autoCompressPictures="0" strictFirstAndLastChars="0" saveSubsetFonts="1">
   <p:sldMasterIdLst>
-    <p:sldMasterId id="2147483648" r:id="rId1"/>
+    <p:sldMasterId id="2147483648" r:id="rId3"/>
   </p:sldMasterIdLst>
   <p:notesMasterIdLst>
-    <p:notesMasterId r:id="rId3"/>
+    <p:notesMasterId r:id="rId4"/>
   </p:notesMasterIdLst>
-  <p:sldIdLst>
-    <p:sldId id="256" r:id="rId2"/>
-  </p:sldIdLst>
-  <p:sldSz cx="12192000" cy="6858000"/>
+  <p:sldIdLst/>
+  <p:sldSz cy="6858000" cx="12192000"/>
   <p:notesSz cx="6858000" cy="9144000"/>
   <p:defaultTextStyle>
-    <a:defPPr>
+    <a:defPPr lvl="0">
       <a:defRPr lang="en-US"/>
     </a:defPPr>
-    <a:lvl1pPr marL="0" algn="l" defTabSz="457200" rtl="0" eaLnBrk="1" latinLnBrk="0" hangingPunct="1">
-      <a:defRPr sz="1800" kern="1200">
+    <a:lvl1pPr defTabSz="457200" eaLnBrk="1" hangingPunct="1" latinLnBrk="0" lvl="0" marL="0" rtl="0" algn="l">
+      <a:defRPr kern="1200" sz="1800">
         <a:solidFill>
           <a:schemeClr val="tx1"/>
         </a:solidFill>
@@ -26,8 +24,8 @@
         <a:cs typeface="+mn-cs"/>
       </a:defRPr>
     </a:lvl1pPr>
-    <a:lvl2pPr marL="457200" algn="l" defTabSz="457200" rtl="0" eaLnBrk="1" latinLnBrk="0" hangingPunct="1">
-      <a:defRPr sz="1800" kern="1200">
+    <a:lvl2pPr defTabSz="457200" eaLnBrk="1" hangingPunct="1" latinLnBrk="0" lvl="1" marL="457200" rtl="0" algn="l">
+      <a:defRPr kern="1200" sz="1800">
         <a:solidFill>
           <a:schemeClr val="tx1"/>
         </a:solidFill>
@@ -36,8 +34,8 @@
         <a:cs typeface="+mn-cs"/>
       </a:defRPr>
     </a:lvl2pPr>
-    <a:lvl3pPr marL="914400" algn="l" defTabSz="457200" rtl="0" eaLnBrk="1" latinLnBrk="0" hangingPunct="1">
-      <a:defRPr sz="1800" kern="1200">
+    <a:lvl3pPr defTabSz="457200" eaLnBrk="1" hangingPunct="1" latinLnBrk="0" lvl="2" marL="914400" rtl="0" algn="l">
+      <a:defRPr kern="1200" sz="1800">
         <a:solidFill>
           <a:schemeClr val="tx1"/>
         </a:solidFill>
@@ -46,8 +44,8 @@
         <a:cs typeface="+mn-cs"/>
       </a:defRPr>
     </a:lvl3pPr>
-    <a:lvl4pPr marL="1371600" algn="l" defTabSz="457200" rtl="0" eaLnBrk="1" latinLnBrk="0" hangingPunct="1">
-      <a:defRPr sz="1800" kern="1200">
+    <a:lvl4pPr defTabSz="457200" eaLnBrk="1" hangingPunct="1" latinLnBrk="0" lvl="3" marL="1371600" rtl="0" algn="l">
+      <a:defRPr kern="1200" sz="1800">
         <a:solidFill>
           <a:schemeClr val="tx1"/>
         </a:solidFill>
@@ -56,8 +54,8 @@
         <a:cs typeface="+mn-cs"/>
       </a:defRPr>
     </a:lvl4pPr>
-    <a:lvl5pPr marL="1828800" algn="l" defTabSz="457200" rtl="0" eaLnBrk="1" latinLnBrk="0" hangingPunct="1">
-      <a:defRPr sz="1800" kern="1200">
+    <a:lvl5pPr defTabSz="457200" eaLnBrk="1" hangingPunct="1" latinLnBrk="0" lvl="4" marL="1828800" rtl="0" algn="l">
+      <a:defRPr kern="1200" sz="1800">
         <a:solidFill>
           <a:schemeClr val="tx1"/>
         </a:solidFill>
@@ -66,8 +64,8 @@
         <a:cs typeface="+mn-cs"/>
       </a:defRPr>
     </a:lvl5pPr>
-    <a:lvl6pPr marL="2286000" algn="l" defTabSz="457200" rtl="0" eaLnBrk="1" latinLnBrk="0" hangingPunct="1">
-      <a:defRPr sz="1800" kern="1200">
+    <a:lvl6pPr defTabSz="457200" eaLnBrk="1" hangingPunct="1" latinLnBrk="0" lvl="5" marL="2286000" rtl="0" algn="l">
+      <a:defRPr kern="1200" sz="1800">
         <a:solidFill>
           <a:schemeClr val="tx1"/>
         </a:solidFill>
@@ -76,8 +74,8 @@
         <a:cs typeface="+mn-cs"/>
       </a:defRPr>
     </a:lvl6pPr>
-    <a:lvl7pPr marL="2743200" algn="l" defTabSz="457200" rtl="0" eaLnBrk="1" latinLnBrk="0" hangingPunct="1">
-      <a:defRPr sz="1800" kern="1200">
+    <a:lvl7pPr defTabSz="457200" eaLnBrk="1" hangingPunct="1" latinLnBrk="0" lvl="6" marL="2743200" rtl="0" algn="l">
+      <a:defRPr kern="1200" sz="1800">
         <a:solidFill>
           <a:schemeClr val="tx1"/>
         </a:solidFill>
@@ -86,8 +84,8 @@
         <a:cs typeface="+mn-cs"/>
       </a:defRPr>
     </a:lvl7pPr>
-    <a:lvl8pPr marL="3200400" algn="l" defTabSz="457200" rtl="0" eaLnBrk="1" latinLnBrk="0" hangingPunct="1">
-      <a:defRPr sz="1800" kern="1200">
+    <a:lvl8pPr defTabSz="457200" eaLnBrk="1" hangingPunct="1" latinLnBrk="0" lvl="7" marL="3200400" rtl="0" algn="l">
+      <a:defRPr kern="1200" sz="1800">
         <a:solidFill>
           <a:schemeClr val="tx1"/>
         </a:solidFill>
@@ -96,8 +94,8 @@
         <a:cs typeface="+mn-cs"/>
       </a:defRPr>
     </a:lvl8pPr>
-    <a:lvl9pPr marL="3657600" algn="l" defTabSz="457200" rtl="0" eaLnBrk="1" latinLnBrk="0" hangingPunct="1">
-      <a:defRPr sz="1800" kern="1200">
+    <a:lvl9pPr defTabSz="457200" eaLnBrk="1" hangingPunct="1" latinLnBrk="0" lvl="8" marL="3657600" rtl="0" algn="l">
+      <a:defRPr kern="1200" sz="1800">
         <a:solidFill>
           <a:schemeClr val="tx1"/>
         </a:solidFill>
@@ -108,6 +106,10 @@
     </a:lvl9pPr>
   </p:defaultTextStyle>
 </p:presentation>
+</file>
+
+<file path=ppt/presProps1.xml><?xml version="1.0" encoding="utf-8"?>
+<p:presentationPr xmlns:a="http://schemas.openxmlformats.org/drawingml/2006/main" xmlns:r="http://schemas.openxmlformats.org/officeDocument/2006/relationships" xmlns:mc="http://schemas.openxmlformats.org/markup-compatibility/2006" xmlns:mv="urn:schemas-microsoft-com:mac:vml" xmlns:p="http://schemas.openxmlformats.org/presentationml/2006/main" xmlns:c="http://schemas.openxmlformats.org/drawingml/2006/chart" xmlns:dgm="http://schemas.openxmlformats.org/drawingml/2006/diagram" xmlns:o="urn:schemas-microsoft-com:office:office" xmlns:v="urn:schemas-microsoft-com:vml" xmlns:pvml="urn:schemas-microsoft-com:office:powerpoint" xmlns:com="http://schemas.openxmlformats.org/drawingml/2006/compatibility" xmlns:p14="http://schemas.microsoft.com/office/powerpoint/2010/main" xmlns:p15="http://schemas.microsoft.com/office/powerpoint/2012/main"/>
 </file>
 
 <file path=ppt/diagrams/colors1.xml><?xml version="1.0" encoding="utf-8"?>
